--- a/Data Warehouse Development Project.pptx
+++ b/Data Warehouse Development Project.pptx
@@ -24,9 +24,9 @@
     <p:sldId id="327" r:id="rId15"/>
     <p:sldId id="330" r:id="rId16"/>
     <p:sldId id="328" r:id="rId17"/>
-    <p:sldId id="329" r:id="rId18"/>
-    <p:sldId id="331" r:id="rId19"/>
-    <p:sldId id="332" r:id="rId20"/>
+    <p:sldId id="331" r:id="rId18"/>
+    <p:sldId id="332" r:id="rId19"/>
+    <p:sldId id="329" r:id="rId20"/>
   </p:sldIdLst>
   <p:sldSz cx="12192000" cy="6858000"/>
   <p:notesSz cx="6858000" cy="9144000"/>
@@ -143,9 +143,9 @@
             <p14:sldId id="327"/>
             <p14:sldId id="330"/>
             <p14:sldId id="328"/>
-            <p14:sldId id="329"/>
             <p14:sldId id="331"/>
             <p14:sldId id="332"/>
+            <p14:sldId id="329"/>
           </p14:sldIdLst>
         </p14:section>
       </p14:sectionLst>
@@ -1294,114 +1294,6 @@
         <p:cNvPr id="1" name="">
           <a:extLst>
             <a:ext uri="{FF2B5EF4-FFF2-40B4-BE49-F238E27FC236}">
-              <a16:creationId xmlns:a16="http://schemas.microsoft.com/office/drawing/2014/main" id="{324FFCE9-2F37-6D3B-A449-F68F76825D6F}"/>
-            </a:ext>
-          </a:extLst>
-        </p:cNvPr>
-        <p:cNvGrpSpPr/>
-        <p:nvPr/>
-      </p:nvGrpSpPr>
-      <p:grpSpPr>
-        <a:xfrm>
-          <a:off x="0" y="0"/>
-          <a:ext cx="0" cy="0"/>
-          <a:chOff x="0" y="0"/>
-          <a:chExt cx="0" cy="0"/>
-        </a:xfrm>
-      </p:grpSpPr>
-      <p:sp>
-        <p:nvSpPr>
-          <p:cNvPr id="2" name="Slide Image Placeholder 1">
-            <a:extLst>
-              <a:ext uri="{FF2B5EF4-FFF2-40B4-BE49-F238E27FC236}">
-                <a16:creationId xmlns:a16="http://schemas.microsoft.com/office/drawing/2014/main" id="{20177203-6D2B-3931-B273-63F8355285D7}"/>
-              </a:ext>
-            </a:extLst>
-          </p:cNvPr>
-          <p:cNvSpPr>
-            <a:spLocks noGrp="1" noRot="1" noChangeAspect="1"/>
-          </p:cNvSpPr>
-          <p:nvPr>
-            <p:ph type="sldImg"/>
-          </p:nvPr>
-        </p:nvSpPr>
-        <p:spPr/>
-      </p:sp>
-      <p:sp>
-        <p:nvSpPr>
-          <p:cNvPr id="3" name="Notes Placeholder 2">
-            <a:extLst>
-              <a:ext uri="{FF2B5EF4-FFF2-40B4-BE49-F238E27FC236}">
-                <a16:creationId xmlns:a16="http://schemas.microsoft.com/office/drawing/2014/main" id="{1D53FB4F-8EE7-BD53-1057-C524ABA49C8A}"/>
-              </a:ext>
-            </a:extLst>
-          </p:cNvPr>
-          <p:cNvSpPr>
-            <a:spLocks noGrp="1"/>
-          </p:cNvSpPr>
-          <p:nvPr>
-            <p:ph type="body" idx="1"/>
-          </p:nvPr>
-        </p:nvSpPr>
-        <p:spPr/>
-        <p:txBody>
-          <a:bodyPr/>
-          <a:lstStyle/>
-          <a:p>
-            <a:endParaRPr lang="en-US" dirty="0"/>
-          </a:p>
-        </p:txBody>
-      </p:sp>
-      <p:sp>
-        <p:nvSpPr>
-          <p:cNvPr id="4" name="Slide Number Placeholder 3">
-            <a:extLst>
-              <a:ext uri="{FF2B5EF4-FFF2-40B4-BE49-F238E27FC236}">
-                <a16:creationId xmlns:a16="http://schemas.microsoft.com/office/drawing/2014/main" id="{FB5AB0E1-461E-F0E5-AA9C-137301277D98}"/>
-              </a:ext>
-            </a:extLst>
-          </p:cNvPr>
-          <p:cNvSpPr>
-            <a:spLocks noGrp="1"/>
-          </p:cNvSpPr>
-          <p:nvPr>
-            <p:ph type="sldNum" sz="quarter" idx="5"/>
-          </p:nvPr>
-        </p:nvSpPr>
-        <p:spPr/>
-        <p:txBody>
-          <a:bodyPr/>
-          <a:lstStyle/>
-          <a:p>
-            <a:fld id="{7C366290-4595-5745-A50F-D5EC13BAC604}" type="slidenum">
-              <a:rPr lang="en-US" noProof="0" smtClean="0"/>
-              <a:t>14</a:t>
-            </a:fld>
-            <a:endParaRPr lang="en-US" noProof="0" dirty="0"/>
-          </a:p>
-        </p:txBody>
-      </p:sp>
-    </p:spTree>
-    <p:extLst>
-      <p:ext uri="{BB962C8B-B14F-4D97-AF65-F5344CB8AC3E}">
-        <p14:creationId xmlns:p14="http://schemas.microsoft.com/office/powerpoint/2010/main" val="1410889294"/>
-      </p:ext>
-    </p:extLst>
-  </p:cSld>
-  <p:clrMapOvr>
-    <a:masterClrMapping/>
-  </p:clrMapOvr>
-</p:notes>
-</file>
-
-<file path=ppt/notesSlides/notesSlide15.xml><?xml version="1.0" encoding="utf-8"?>
-<p:notes xmlns:a="http://schemas.openxmlformats.org/drawingml/2006/main" xmlns:r="http://schemas.openxmlformats.org/officeDocument/2006/relationships" xmlns:p="http://schemas.openxmlformats.org/presentationml/2006/main">
-  <p:cSld>
-    <p:spTree>
-      <p:nvGrpSpPr>
-        <p:cNvPr id="1" name="">
-          <a:extLst>
-            <a:ext uri="{FF2B5EF4-FFF2-40B4-BE49-F238E27FC236}">
               <a16:creationId xmlns:a16="http://schemas.microsoft.com/office/drawing/2014/main" id="{7CEA132A-6656-E1C9-C964-8CF3C0A307B8}"/>
             </a:ext>
           </a:extLst>
@@ -1483,7 +1375,7 @@
           <a:p>
             <a:fld id="{7C366290-4595-5745-A50F-D5EC13BAC604}" type="slidenum">
               <a:rPr lang="en-US" noProof="0" smtClean="0"/>
-              <a:t>15</a:t>
+              <a:t>14</a:t>
             </a:fld>
             <a:endParaRPr lang="en-US" noProof="0" dirty="0"/>
           </a:p>
@@ -1502,7 +1394,7 @@
 </p:notes>
 </file>
 
-<file path=ppt/notesSlides/notesSlide16.xml><?xml version="1.0" encoding="utf-8"?>
+<file path=ppt/notesSlides/notesSlide15.xml><?xml version="1.0" encoding="utf-8"?>
 <p:notes xmlns:a="http://schemas.openxmlformats.org/drawingml/2006/main" xmlns:r="http://schemas.openxmlformats.org/officeDocument/2006/relationships" xmlns:p="http://schemas.openxmlformats.org/presentationml/2006/main">
   <p:cSld>
     <p:spTree>
@@ -1591,6 +1483,114 @@
           <a:p>
             <a:fld id="{7C366290-4595-5745-A50F-D5EC13BAC604}" type="slidenum">
               <a:rPr lang="en-US" noProof="0" smtClean="0"/>
+              <a:t>15</a:t>
+            </a:fld>
+            <a:endParaRPr lang="en-US" noProof="0" dirty="0"/>
+          </a:p>
+        </p:txBody>
+      </p:sp>
+    </p:spTree>
+    <p:extLst>
+      <p:ext uri="{BB962C8B-B14F-4D97-AF65-F5344CB8AC3E}">
+        <p14:creationId xmlns:p14="http://schemas.microsoft.com/office/powerpoint/2010/main" val="3002067124"/>
+      </p:ext>
+    </p:extLst>
+  </p:cSld>
+  <p:clrMapOvr>
+    <a:masterClrMapping/>
+  </p:clrMapOvr>
+</p:notes>
+</file>
+
+<file path=ppt/notesSlides/notesSlide16.xml><?xml version="1.0" encoding="utf-8"?>
+<p:notes xmlns:a="http://schemas.openxmlformats.org/drawingml/2006/main" xmlns:r="http://schemas.openxmlformats.org/officeDocument/2006/relationships" xmlns:p="http://schemas.openxmlformats.org/presentationml/2006/main">
+  <p:cSld>
+    <p:spTree>
+      <p:nvGrpSpPr>
+        <p:cNvPr id="1" name="">
+          <a:extLst>
+            <a:ext uri="{FF2B5EF4-FFF2-40B4-BE49-F238E27FC236}">
+              <a16:creationId xmlns:a16="http://schemas.microsoft.com/office/drawing/2014/main" id="{324FFCE9-2F37-6D3B-A449-F68F76825D6F}"/>
+            </a:ext>
+          </a:extLst>
+        </p:cNvPr>
+        <p:cNvGrpSpPr/>
+        <p:nvPr/>
+      </p:nvGrpSpPr>
+      <p:grpSpPr>
+        <a:xfrm>
+          <a:off x="0" y="0"/>
+          <a:ext cx="0" cy="0"/>
+          <a:chOff x="0" y="0"/>
+          <a:chExt cx="0" cy="0"/>
+        </a:xfrm>
+      </p:grpSpPr>
+      <p:sp>
+        <p:nvSpPr>
+          <p:cNvPr id="2" name="Slide Image Placeholder 1">
+            <a:extLst>
+              <a:ext uri="{FF2B5EF4-FFF2-40B4-BE49-F238E27FC236}">
+                <a16:creationId xmlns:a16="http://schemas.microsoft.com/office/drawing/2014/main" id="{20177203-6D2B-3931-B273-63F8355285D7}"/>
+              </a:ext>
+            </a:extLst>
+          </p:cNvPr>
+          <p:cNvSpPr>
+            <a:spLocks noGrp="1" noRot="1" noChangeAspect="1"/>
+          </p:cNvSpPr>
+          <p:nvPr>
+            <p:ph type="sldImg"/>
+          </p:nvPr>
+        </p:nvSpPr>
+        <p:spPr/>
+      </p:sp>
+      <p:sp>
+        <p:nvSpPr>
+          <p:cNvPr id="3" name="Notes Placeholder 2">
+            <a:extLst>
+              <a:ext uri="{FF2B5EF4-FFF2-40B4-BE49-F238E27FC236}">
+                <a16:creationId xmlns:a16="http://schemas.microsoft.com/office/drawing/2014/main" id="{1D53FB4F-8EE7-BD53-1057-C524ABA49C8A}"/>
+              </a:ext>
+            </a:extLst>
+          </p:cNvPr>
+          <p:cNvSpPr>
+            <a:spLocks noGrp="1"/>
+          </p:cNvSpPr>
+          <p:nvPr>
+            <p:ph type="body" idx="1"/>
+          </p:nvPr>
+        </p:nvSpPr>
+        <p:spPr/>
+        <p:txBody>
+          <a:bodyPr/>
+          <a:lstStyle/>
+          <a:p>
+            <a:endParaRPr lang="en-US" dirty="0"/>
+          </a:p>
+        </p:txBody>
+      </p:sp>
+      <p:sp>
+        <p:nvSpPr>
+          <p:cNvPr id="4" name="Slide Number Placeholder 3">
+            <a:extLst>
+              <a:ext uri="{FF2B5EF4-FFF2-40B4-BE49-F238E27FC236}">
+                <a16:creationId xmlns:a16="http://schemas.microsoft.com/office/drawing/2014/main" id="{FB5AB0E1-461E-F0E5-AA9C-137301277D98}"/>
+              </a:ext>
+            </a:extLst>
+          </p:cNvPr>
+          <p:cNvSpPr>
+            <a:spLocks noGrp="1"/>
+          </p:cNvSpPr>
+          <p:nvPr>
+            <p:ph type="sldNum" sz="quarter" idx="5"/>
+          </p:nvPr>
+        </p:nvSpPr>
+        <p:spPr/>
+        <p:txBody>
+          <a:bodyPr/>
+          <a:lstStyle/>
+          <a:p>
+            <a:fld id="{7C366290-4595-5745-A50F-D5EC13BAC604}" type="slidenum">
+              <a:rPr lang="en-US" noProof="0" smtClean="0"/>
               <a:t>16</a:t>
             </a:fld>
             <a:endParaRPr lang="en-US" noProof="0" dirty="0"/>
@@ -1600,7 +1600,7 @@
     </p:spTree>
     <p:extLst>
       <p:ext uri="{BB962C8B-B14F-4D97-AF65-F5344CB8AC3E}">
-        <p14:creationId xmlns:p14="http://schemas.microsoft.com/office/powerpoint/2010/main" val="3002067124"/>
+        <p14:creationId xmlns:p14="http://schemas.microsoft.com/office/powerpoint/2010/main" val="1410889294"/>
       </p:ext>
     </p:extLst>
   </p:cSld>
@@ -29715,179 +29715,6 @@
         <p:cNvPr id="1" name="">
           <a:extLst>
             <a:ext uri="{FF2B5EF4-FFF2-40B4-BE49-F238E27FC236}">
-              <a16:creationId xmlns:a16="http://schemas.microsoft.com/office/drawing/2014/main" id="{C94B1230-2354-FF84-B66F-2C87EB6620B3}"/>
-            </a:ext>
-          </a:extLst>
-        </p:cNvPr>
-        <p:cNvGrpSpPr/>
-        <p:nvPr/>
-      </p:nvGrpSpPr>
-      <p:grpSpPr>
-        <a:xfrm>
-          <a:off x="0" y="0"/>
-          <a:ext cx="0" cy="0"/>
-          <a:chOff x="0" y="0"/>
-          <a:chExt cx="0" cy="0"/>
-        </a:xfrm>
-      </p:grpSpPr>
-      <p:sp>
-        <p:nvSpPr>
-          <p:cNvPr id="2" name="Slide Number Placeholder 1">
-            <a:extLst>
-              <a:ext uri="{FF2B5EF4-FFF2-40B4-BE49-F238E27FC236}">
-                <a16:creationId xmlns:a16="http://schemas.microsoft.com/office/drawing/2014/main" id="{3842356A-55E7-6578-EC8A-2D1650F77C89}"/>
-              </a:ext>
-            </a:extLst>
-          </p:cNvPr>
-          <p:cNvSpPr>
-            <a:spLocks noGrp="1"/>
-          </p:cNvSpPr>
-          <p:nvPr>
-            <p:ph type="sldNum" sz="quarter" idx="4"/>
-          </p:nvPr>
-        </p:nvSpPr>
-        <p:spPr/>
-        <p:txBody>
-          <a:bodyPr/>
-          <a:lstStyle/>
-          <a:p>
-            <a:fld id="{58FB4751-880F-D840-AAA9-3A15815CC996}" type="slidenum">
-              <a:rPr lang="en-US" smtClean="0"/>
-              <a:pPr/>
-              <a:t>14</a:t>
-            </a:fld>
-            <a:endParaRPr lang="en-US" dirty="0"/>
-          </a:p>
-        </p:txBody>
-      </p:sp>
-      <p:sp>
-        <p:nvSpPr>
-          <p:cNvPr id="5" name="TextBox 4">
-            <a:extLst>
-              <a:ext uri="{FF2B5EF4-FFF2-40B4-BE49-F238E27FC236}">
-                <a16:creationId xmlns:a16="http://schemas.microsoft.com/office/drawing/2014/main" id="{A4404148-44B8-E574-DF72-1BE2121570E9}"/>
-              </a:ext>
-            </a:extLst>
-          </p:cNvPr>
-          <p:cNvSpPr txBox="1"/>
-          <p:nvPr/>
-        </p:nvSpPr>
-        <p:spPr>
-          <a:xfrm>
-            <a:off x="901700" y="1133901"/>
-            <a:ext cx="8672513" cy="1446550"/>
-          </a:xfrm>
-          <a:prstGeom prst="rect">
-            <a:avLst/>
-          </a:prstGeom>
-          <a:noFill/>
-        </p:spPr>
-        <p:txBody>
-          <a:bodyPr wrap="square" rtlCol="0">
-            <a:spAutoFit/>
-          </a:bodyPr>
-          <a:lstStyle/>
-          <a:p>
-            <a:pPr algn="ctr"/>
-            <a:r>
-              <a:rPr lang="en-US" sz="6000" b="1" dirty="0"/>
-              <a:t>Thank You</a:t>
-            </a:r>
-          </a:p>
-          <a:p>
-            <a:pPr algn="ctr"/>
-            <a:r>
-              <a:rPr lang="en-US" sz="2800" b="1" dirty="0"/>
-              <a:t>Questions and Discussion</a:t>
-            </a:r>
-          </a:p>
-        </p:txBody>
-      </p:sp>
-      <p:sp>
-        <p:nvSpPr>
-          <p:cNvPr id="3" name="TextBox 2">
-            <a:extLst>
-              <a:ext uri="{FF2B5EF4-FFF2-40B4-BE49-F238E27FC236}">
-                <a16:creationId xmlns:a16="http://schemas.microsoft.com/office/drawing/2014/main" id="{BD46E7DF-46A5-2B42-DF95-FCF5A02A2662}"/>
-              </a:ext>
-            </a:extLst>
-          </p:cNvPr>
-          <p:cNvSpPr txBox="1"/>
-          <p:nvPr/>
-        </p:nvSpPr>
-        <p:spPr>
-          <a:xfrm>
-            <a:off x="1250422" y="3911600"/>
-            <a:ext cx="8672512" cy="1200329"/>
-          </a:xfrm>
-          <a:prstGeom prst="rect">
-            <a:avLst/>
-          </a:prstGeom>
-          <a:noFill/>
-        </p:spPr>
-        <p:txBody>
-          <a:bodyPr wrap="square" rtlCol="0">
-            <a:spAutoFit/>
-          </a:bodyPr>
-          <a:lstStyle/>
-          <a:p>
-            <a:r>
-              <a:rPr lang="en-US" dirty="0"/>
-              <a:t>GitHub Repo URLs:</a:t>
-            </a:r>
-          </a:p>
-          <a:p>
-            <a:pPr marL="285750" indent="-285750">
-              <a:buFont typeface="Wingdings" panose="05000000000000000000" pitchFamily="2" charset="2"/>
-              <a:buChar char="v"/>
-            </a:pPr>
-            <a:r>
-              <a:rPr lang="en-US" dirty="0">
-                <a:hlinkClick r:id="rId3"/>
-              </a:rPr>
-              <a:t>https://github.com/moazla877-commits/data-warehouse-scripts</a:t>
-            </a:r>
-            <a:endParaRPr lang="en-US" dirty="0"/>
-          </a:p>
-          <a:p>
-            <a:pPr marL="285750" indent="-285750">
-              <a:buFont typeface="Wingdings" panose="05000000000000000000" pitchFamily="2" charset="2"/>
-              <a:buChar char="v"/>
-            </a:pPr>
-            <a:r>
-              <a:rPr lang="en-US" dirty="0">
-                <a:hlinkClick r:id="rId4"/>
-              </a:rPr>
-              <a:t>https://github.com/moazla877-commits/dbt-transform-new</a:t>
-            </a:r>
-            <a:endParaRPr lang="en-US" dirty="0"/>
-          </a:p>
-          <a:p>
-            <a:endParaRPr lang="en-US" dirty="0"/>
-          </a:p>
-        </p:txBody>
-      </p:sp>
-    </p:spTree>
-    <p:extLst>
-      <p:ext uri="{BB962C8B-B14F-4D97-AF65-F5344CB8AC3E}">
-        <p14:creationId xmlns:p14="http://schemas.microsoft.com/office/powerpoint/2010/main" val="2706352692"/>
-      </p:ext>
-    </p:extLst>
-  </p:cSld>
-  <p:clrMapOvr>
-    <a:masterClrMapping/>
-  </p:clrMapOvr>
-</p:sld>
-</file>
-
-<file path=ppt/slides/slide15.xml><?xml version="1.0" encoding="utf-8"?>
-<p:sld xmlns:a="http://schemas.openxmlformats.org/drawingml/2006/main" xmlns:r="http://schemas.openxmlformats.org/officeDocument/2006/relationships" xmlns:p="http://schemas.openxmlformats.org/presentationml/2006/main">
-  <p:cSld>
-    <p:spTree>
-      <p:nvGrpSpPr>
-        <p:cNvPr id="1" name="">
-          <a:extLst>
-            <a:ext uri="{FF2B5EF4-FFF2-40B4-BE49-F238E27FC236}">
               <a16:creationId xmlns:a16="http://schemas.microsoft.com/office/drawing/2014/main" id="{DE3D350A-E08D-AC26-AD8F-D33C8A5D6569}"/>
             </a:ext>
           </a:extLst>
@@ -29927,7 +29754,7 @@
             <a:fld id="{58FB4751-880F-D840-AAA9-3A15815CC996}" type="slidenum">
               <a:rPr lang="en-US" smtClean="0"/>
               <a:pPr/>
-              <a:t>15</a:t>
+              <a:t>14</a:t>
             </a:fld>
             <a:endParaRPr lang="en-US" dirty="0"/>
           </a:p>
@@ -30126,7 +29953,7 @@
 </p:sld>
 </file>
 
-<file path=ppt/slides/slide16.xml><?xml version="1.0" encoding="utf-8"?>
+<file path=ppt/slides/slide15.xml><?xml version="1.0" encoding="utf-8"?>
 <p:sld xmlns:a="http://schemas.openxmlformats.org/drawingml/2006/main" xmlns:r="http://schemas.openxmlformats.org/officeDocument/2006/relationships" xmlns:p="http://schemas.openxmlformats.org/presentationml/2006/main">
   <p:cSld>
     <p:spTree>
@@ -30173,7 +30000,7 @@
             <a:fld id="{58FB4751-880F-D840-AAA9-3A15815CC996}" type="slidenum">
               <a:rPr lang="en-US" smtClean="0"/>
               <a:pPr/>
-              <a:t>16</a:t>
+              <a:t>15</a:t>
             </a:fld>
             <a:endParaRPr lang="en-US" dirty="0"/>
           </a:p>
@@ -30359,6 +30186,179 @@
     <p:extLst>
       <p:ext uri="{BB962C8B-B14F-4D97-AF65-F5344CB8AC3E}">
         <p14:creationId xmlns:p14="http://schemas.microsoft.com/office/powerpoint/2010/main" val="193473927"/>
+      </p:ext>
+    </p:extLst>
+  </p:cSld>
+  <p:clrMapOvr>
+    <a:masterClrMapping/>
+  </p:clrMapOvr>
+</p:sld>
+</file>
+
+<file path=ppt/slides/slide16.xml><?xml version="1.0" encoding="utf-8"?>
+<p:sld xmlns:a="http://schemas.openxmlformats.org/drawingml/2006/main" xmlns:r="http://schemas.openxmlformats.org/officeDocument/2006/relationships" xmlns:p="http://schemas.openxmlformats.org/presentationml/2006/main">
+  <p:cSld>
+    <p:spTree>
+      <p:nvGrpSpPr>
+        <p:cNvPr id="1" name="">
+          <a:extLst>
+            <a:ext uri="{FF2B5EF4-FFF2-40B4-BE49-F238E27FC236}">
+              <a16:creationId xmlns:a16="http://schemas.microsoft.com/office/drawing/2014/main" id="{C94B1230-2354-FF84-B66F-2C87EB6620B3}"/>
+            </a:ext>
+          </a:extLst>
+        </p:cNvPr>
+        <p:cNvGrpSpPr/>
+        <p:nvPr/>
+      </p:nvGrpSpPr>
+      <p:grpSpPr>
+        <a:xfrm>
+          <a:off x="0" y="0"/>
+          <a:ext cx="0" cy="0"/>
+          <a:chOff x="0" y="0"/>
+          <a:chExt cx="0" cy="0"/>
+        </a:xfrm>
+      </p:grpSpPr>
+      <p:sp>
+        <p:nvSpPr>
+          <p:cNvPr id="2" name="Slide Number Placeholder 1">
+            <a:extLst>
+              <a:ext uri="{FF2B5EF4-FFF2-40B4-BE49-F238E27FC236}">
+                <a16:creationId xmlns:a16="http://schemas.microsoft.com/office/drawing/2014/main" id="{3842356A-55E7-6578-EC8A-2D1650F77C89}"/>
+              </a:ext>
+            </a:extLst>
+          </p:cNvPr>
+          <p:cNvSpPr>
+            <a:spLocks noGrp="1"/>
+          </p:cNvSpPr>
+          <p:nvPr>
+            <p:ph type="sldNum" sz="quarter" idx="4"/>
+          </p:nvPr>
+        </p:nvSpPr>
+        <p:spPr/>
+        <p:txBody>
+          <a:bodyPr/>
+          <a:lstStyle/>
+          <a:p>
+            <a:fld id="{58FB4751-880F-D840-AAA9-3A15815CC996}" type="slidenum">
+              <a:rPr lang="en-US" smtClean="0"/>
+              <a:pPr/>
+              <a:t>16</a:t>
+            </a:fld>
+            <a:endParaRPr lang="en-US" dirty="0"/>
+          </a:p>
+        </p:txBody>
+      </p:sp>
+      <p:sp>
+        <p:nvSpPr>
+          <p:cNvPr id="5" name="TextBox 4">
+            <a:extLst>
+              <a:ext uri="{FF2B5EF4-FFF2-40B4-BE49-F238E27FC236}">
+                <a16:creationId xmlns:a16="http://schemas.microsoft.com/office/drawing/2014/main" id="{A4404148-44B8-E574-DF72-1BE2121570E9}"/>
+              </a:ext>
+            </a:extLst>
+          </p:cNvPr>
+          <p:cNvSpPr txBox="1"/>
+          <p:nvPr/>
+        </p:nvSpPr>
+        <p:spPr>
+          <a:xfrm>
+            <a:off x="901700" y="1133901"/>
+            <a:ext cx="8672513" cy="1446550"/>
+          </a:xfrm>
+          <a:prstGeom prst="rect">
+            <a:avLst/>
+          </a:prstGeom>
+          <a:noFill/>
+        </p:spPr>
+        <p:txBody>
+          <a:bodyPr wrap="square" rtlCol="0">
+            <a:spAutoFit/>
+          </a:bodyPr>
+          <a:lstStyle/>
+          <a:p>
+            <a:pPr algn="ctr"/>
+            <a:r>
+              <a:rPr lang="en-US" sz="6000" b="1" dirty="0"/>
+              <a:t>Thank You</a:t>
+            </a:r>
+          </a:p>
+          <a:p>
+            <a:pPr algn="ctr"/>
+            <a:r>
+              <a:rPr lang="en-US" sz="2800" b="1" dirty="0"/>
+              <a:t>Questions and Discussion</a:t>
+            </a:r>
+          </a:p>
+        </p:txBody>
+      </p:sp>
+      <p:sp>
+        <p:nvSpPr>
+          <p:cNvPr id="3" name="TextBox 2">
+            <a:extLst>
+              <a:ext uri="{FF2B5EF4-FFF2-40B4-BE49-F238E27FC236}">
+                <a16:creationId xmlns:a16="http://schemas.microsoft.com/office/drawing/2014/main" id="{BD46E7DF-46A5-2B42-DF95-FCF5A02A2662}"/>
+              </a:ext>
+            </a:extLst>
+          </p:cNvPr>
+          <p:cNvSpPr txBox="1"/>
+          <p:nvPr/>
+        </p:nvSpPr>
+        <p:spPr>
+          <a:xfrm>
+            <a:off x="1250422" y="3911600"/>
+            <a:ext cx="8672512" cy="1200329"/>
+          </a:xfrm>
+          <a:prstGeom prst="rect">
+            <a:avLst/>
+          </a:prstGeom>
+          <a:noFill/>
+        </p:spPr>
+        <p:txBody>
+          <a:bodyPr wrap="square" rtlCol="0">
+            <a:spAutoFit/>
+          </a:bodyPr>
+          <a:lstStyle/>
+          <a:p>
+            <a:r>
+              <a:rPr lang="en-US" dirty="0"/>
+              <a:t>GitHub Repo URLs:</a:t>
+            </a:r>
+          </a:p>
+          <a:p>
+            <a:pPr marL="285750" indent="-285750">
+              <a:buFont typeface="Wingdings" panose="05000000000000000000" pitchFamily="2" charset="2"/>
+              <a:buChar char="v"/>
+            </a:pPr>
+            <a:r>
+              <a:rPr lang="en-US" dirty="0">
+                <a:hlinkClick r:id="rId3"/>
+              </a:rPr>
+              <a:t>https://github.com/moazla877-commits/data-warehouse-scripts</a:t>
+            </a:r>
+            <a:endParaRPr lang="en-US" dirty="0"/>
+          </a:p>
+          <a:p>
+            <a:pPr marL="285750" indent="-285750">
+              <a:buFont typeface="Wingdings" panose="05000000000000000000" pitchFamily="2" charset="2"/>
+              <a:buChar char="v"/>
+            </a:pPr>
+            <a:r>
+              <a:rPr lang="en-US" dirty="0">
+                <a:hlinkClick r:id="rId4"/>
+              </a:rPr>
+              <a:t>https://github.com/moazla877-commits/dbt-transform-new</a:t>
+            </a:r>
+            <a:endParaRPr lang="en-US" dirty="0"/>
+          </a:p>
+          <a:p>
+            <a:endParaRPr lang="en-US" dirty="0"/>
+          </a:p>
+        </p:txBody>
+      </p:sp>
+    </p:spTree>
+    <p:extLst>
+      <p:ext uri="{BB962C8B-B14F-4D97-AF65-F5344CB8AC3E}">
+        <p14:creationId xmlns:p14="http://schemas.microsoft.com/office/powerpoint/2010/main" val="2706352692"/>
       </p:ext>
     </p:extLst>
   </p:cSld>
@@ -33531,15 +33531,6 @@
 </file>
 
 <file path=customXml/item1.xml><?xml version="1.0" encoding="utf-8"?>
-<?mso-contentType ?>
-<FormTemplates xmlns="http://schemas.microsoft.com/sharepoint/v3/contenttype/forms">
-  <Display>DocumentLibraryForm</Display>
-  <Edit>DocumentLibraryForm</Edit>
-  <New>DocumentLibraryForm</New>
-</FormTemplates>
-</file>
-
-<file path=customXml/item2.xml><?xml version="1.0" encoding="utf-8"?>
 <p:properties xmlns:p="http://schemas.microsoft.com/office/2006/metadata/properties" xmlns:xsi="http://www.w3.org/2001/XMLSchema-instance" xmlns:pc="http://schemas.microsoft.com/office/infopath/2007/PartnerControls">
   <documentManagement>
     <_ip_UnifiedCompliancePolicyUIAction xmlns="http://schemas.microsoft.com/sharepoint/v3" xsi:nil="true"/>
@@ -33557,6 +33548,15 @@
     <MediaServiceKeyPoints xmlns="71af3243-3dd4-4a8d-8c0d-dd76da1f02a5" xsi:nil="true"/>
   </documentManagement>
 </p:properties>
+</file>
+
+<file path=customXml/item2.xml><?xml version="1.0" encoding="utf-8"?>
+<?mso-contentType ?>
+<FormTemplates xmlns="http://schemas.microsoft.com/sharepoint/v3/contenttype/forms">
+  <Display>DocumentLibraryForm</Display>
+  <Edit>DocumentLibraryForm</Edit>
+  <New>DocumentLibraryForm</New>
+</FormTemplates>
 </file>
 
 <file path=customXml/item3.xml><?xml version="1.0" encoding="utf-8"?>
@@ -33872,14 +33872,6 @@
 </file>
 
 <file path=customXml/itemProps1.xml><?xml version="1.0" encoding="utf-8"?>
-<ds:datastoreItem xmlns:ds="http://schemas.openxmlformats.org/officeDocument/2006/customXml" ds:itemID="{1249AD37-9510-4A2D-B790-12C439A83F93}">
-  <ds:schemaRefs>
-    <ds:schemaRef ds:uri="http://schemas.microsoft.com/sharepoint/v3/contenttype/forms"/>
-  </ds:schemaRefs>
-</ds:datastoreItem>
-</file>
-
-<file path=customXml/itemProps2.xml><?xml version="1.0" encoding="utf-8"?>
 <ds:datastoreItem xmlns:ds="http://schemas.openxmlformats.org/officeDocument/2006/customXml" ds:itemID="{85DF9CEC-52C2-4D14-B2F5-11176002A8B6}">
   <ds:schemaRefs>
     <ds:schemaRef ds:uri="http://schemas.microsoft.com/office/2006/metadata/properties"/>
@@ -33887,6 +33879,14 @@
     <ds:schemaRef ds:uri="http://schemas.microsoft.com/sharepoint/v3"/>
     <ds:schemaRef ds:uri="71af3243-3dd4-4a8d-8c0d-dd76da1f02a5"/>
     <ds:schemaRef ds:uri="230e9df3-be65-4c73-a93b-d1236ebd677e"/>
+  </ds:schemaRefs>
+</ds:datastoreItem>
+</file>
+
+<file path=customXml/itemProps2.xml><?xml version="1.0" encoding="utf-8"?>
+<ds:datastoreItem xmlns:ds="http://schemas.openxmlformats.org/officeDocument/2006/customXml" ds:itemID="{1249AD37-9510-4A2D-B790-12C439A83F93}">
+  <ds:schemaRefs>
+    <ds:schemaRef ds:uri="http://schemas.microsoft.com/sharepoint/v3/contenttype/forms"/>
   </ds:schemaRefs>
 </ds:datastoreItem>
 </file>
